--- a/תיעוד/Presentation1.pptx
+++ b/תיעוד/Presentation1.pptx
@@ -266,7 +266,7 @@
           <a:p>
             <a:fld id="{4FC77EA5-AC6C-4658-8BDC-A19AEB22A5BE}" type="datetimeFigureOut">
               <a:rPr lang="en-IL" smtClean="0"/>
-              <a:t>18/02/2026</a:t>
+              <a:t>28/02/2026</a:t>
             </a:fld>
             <a:endParaRPr lang="en-IL"/>
           </a:p>
@@ -466,7 +466,7 @@
           <a:p>
             <a:fld id="{4FC77EA5-AC6C-4658-8BDC-A19AEB22A5BE}" type="datetimeFigureOut">
               <a:rPr lang="en-IL" smtClean="0"/>
-              <a:t>18/02/2026</a:t>
+              <a:t>28/02/2026</a:t>
             </a:fld>
             <a:endParaRPr lang="en-IL"/>
           </a:p>
@@ -676,7 +676,7 @@
           <a:p>
             <a:fld id="{4FC77EA5-AC6C-4658-8BDC-A19AEB22A5BE}" type="datetimeFigureOut">
               <a:rPr lang="en-IL" smtClean="0"/>
-              <a:t>18/02/2026</a:t>
+              <a:t>28/02/2026</a:t>
             </a:fld>
             <a:endParaRPr lang="en-IL"/>
           </a:p>
@@ -876,7 +876,7 @@
           <a:p>
             <a:fld id="{4FC77EA5-AC6C-4658-8BDC-A19AEB22A5BE}" type="datetimeFigureOut">
               <a:rPr lang="en-IL" smtClean="0"/>
-              <a:t>18/02/2026</a:t>
+              <a:t>28/02/2026</a:t>
             </a:fld>
             <a:endParaRPr lang="en-IL"/>
           </a:p>
@@ -1152,7 +1152,7 @@
           <a:p>
             <a:fld id="{4FC77EA5-AC6C-4658-8BDC-A19AEB22A5BE}" type="datetimeFigureOut">
               <a:rPr lang="en-IL" smtClean="0"/>
-              <a:t>18/02/2026</a:t>
+              <a:t>28/02/2026</a:t>
             </a:fld>
             <a:endParaRPr lang="en-IL"/>
           </a:p>
@@ -1420,7 +1420,7 @@
           <a:p>
             <a:fld id="{4FC77EA5-AC6C-4658-8BDC-A19AEB22A5BE}" type="datetimeFigureOut">
               <a:rPr lang="en-IL" smtClean="0"/>
-              <a:t>18/02/2026</a:t>
+              <a:t>28/02/2026</a:t>
             </a:fld>
             <a:endParaRPr lang="en-IL"/>
           </a:p>
@@ -1835,7 +1835,7 @@
           <a:p>
             <a:fld id="{4FC77EA5-AC6C-4658-8BDC-A19AEB22A5BE}" type="datetimeFigureOut">
               <a:rPr lang="en-IL" smtClean="0"/>
-              <a:t>18/02/2026</a:t>
+              <a:t>28/02/2026</a:t>
             </a:fld>
             <a:endParaRPr lang="en-IL"/>
           </a:p>
@@ -1977,7 +1977,7 @@
           <a:p>
             <a:fld id="{4FC77EA5-AC6C-4658-8BDC-A19AEB22A5BE}" type="datetimeFigureOut">
               <a:rPr lang="en-IL" smtClean="0"/>
-              <a:t>18/02/2026</a:t>
+              <a:t>28/02/2026</a:t>
             </a:fld>
             <a:endParaRPr lang="en-IL"/>
           </a:p>
@@ -2090,7 +2090,7 @@
           <a:p>
             <a:fld id="{4FC77EA5-AC6C-4658-8BDC-A19AEB22A5BE}" type="datetimeFigureOut">
               <a:rPr lang="en-IL" smtClean="0"/>
-              <a:t>18/02/2026</a:t>
+              <a:t>28/02/2026</a:t>
             </a:fld>
             <a:endParaRPr lang="en-IL"/>
           </a:p>
@@ -2403,7 +2403,7 @@
           <a:p>
             <a:fld id="{4FC77EA5-AC6C-4658-8BDC-A19AEB22A5BE}" type="datetimeFigureOut">
               <a:rPr lang="en-IL" smtClean="0"/>
-              <a:t>18/02/2026</a:t>
+              <a:t>28/02/2026</a:t>
             </a:fld>
             <a:endParaRPr lang="en-IL"/>
           </a:p>
@@ -2692,7 +2692,7 @@
           <a:p>
             <a:fld id="{4FC77EA5-AC6C-4658-8BDC-A19AEB22A5BE}" type="datetimeFigureOut">
               <a:rPr lang="en-IL" smtClean="0"/>
-              <a:t>18/02/2026</a:t>
+              <a:t>28/02/2026</a:t>
             </a:fld>
             <a:endParaRPr lang="en-IL"/>
           </a:p>
@@ -2935,7 +2935,7 @@
           <a:p>
             <a:fld id="{4FC77EA5-AC6C-4658-8BDC-A19AEB22A5BE}" type="datetimeFigureOut">
               <a:rPr lang="en-IL" smtClean="0"/>
-              <a:t>18/02/2026</a:t>
+              <a:t>28/02/2026</a:t>
             </a:fld>
             <a:endParaRPr lang="en-IL"/>
           </a:p>
@@ -6633,8 +6633,12 @@
           </a:p>
           <a:p>
             <a:r>
+              <a:rPr lang="en-US" dirty="0" err="1"/>
+              <a:t>Github</a:t>
+            </a:r>
+            <a:r>
               <a:rPr lang="en-US" dirty="0"/>
-              <a:t>Postman – API</a:t>
+              <a:t> Pages – “API”</a:t>
             </a:r>
             <a:r>
               <a:rPr lang="he-IL" dirty="0"/>
@@ -6680,12 +6684,56 @@
           <a:chExt cx="0" cy="0"/>
         </a:xfrm>
       </p:grpSpPr>
+      <p:sp>
+        <p:nvSpPr>
+          <p:cNvPr id="6" name="TextBox 5">
+            <a:extLst>
+              <a:ext uri="{FF2B5EF4-FFF2-40B4-BE49-F238E27FC236}">
+                <a16:creationId xmlns:a16="http://schemas.microsoft.com/office/drawing/2014/main" id="{958460C1-7AD1-FAB9-BCB9-316093A50CB4}"/>
+              </a:ext>
+            </a:extLst>
+          </p:cNvPr>
+          <p:cNvSpPr txBox="1"/>
+          <p:nvPr/>
+        </p:nvSpPr>
+        <p:spPr>
+          <a:xfrm>
+            <a:off x="5296741" y="6488668"/>
+            <a:ext cx="1308371" cy="369332"/>
+          </a:xfrm>
+          <a:prstGeom prst="rect">
+            <a:avLst/>
+          </a:prstGeom>
+          <a:noFill/>
+        </p:spPr>
+        <p:txBody>
+          <a:bodyPr wrap="none" rtlCol="0">
+            <a:spAutoFit/>
+          </a:bodyPr>
+          <a:lstStyle/>
+          <a:p>
+            <a:r>
+              <a:rPr lang="en-US" dirty="0"/>
+              <a:t>API (</a:t>
+            </a:r>
+            <a:r>
+              <a:rPr lang="he-IL" dirty="0"/>
+              <a:t>סוג של</a:t>
+            </a:r>
+            <a:r>
+              <a:rPr lang="en-US" dirty="0"/>
+              <a:t>)</a:t>
+            </a:r>
+            <a:endParaRPr lang="en-IL" dirty="0"/>
+          </a:p>
+        </p:txBody>
+      </p:sp>
       <p:pic>
         <p:nvPicPr>
-          <p:cNvPr id="5" name="Picture 4">
-            <a:extLst>
-              <a:ext uri="{FF2B5EF4-FFF2-40B4-BE49-F238E27FC236}">
-                <a16:creationId xmlns:a16="http://schemas.microsoft.com/office/drawing/2014/main" id="{D26BC2A6-8F82-3991-FE3C-066FB02C41C7}"/>
+          <p:cNvPr id="3" name="Picture 2">
+            <a:extLst>
+              <a:ext uri="{FF2B5EF4-FFF2-40B4-BE49-F238E27FC236}">
+                <a16:creationId xmlns:a16="http://schemas.microsoft.com/office/drawing/2014/main" id="{6373CE0A-2D0F-A4E4-DCAA-7EDEA53CB77C}"/>
               </a:ext>
             </a:extLst>
           </p:cNvPr>
@@ -6702,8 +6750,8 @@
         </p:blipFill>
         <p:spPr>
           <a:xfrm>
-            <a:off x="1361414" y="1293528"/>
-            <a:ext cx="9469171" cy="4067743"/>
+            <a:off x="4523305" y="28074"/>
+            <a:ext cx="7668695" cy="3791479"/>
           </a:xfrm>
           <a:prstGeom prst="rect">
             <a:avLst/>
@@ -6712,10 +6760,10 @@
       </p:pic>
       <p:sp>
         <p:nvSpPr>
-          <p:cNvPr id="6" name="TextBox 5">
-            <a:extLst>
-              <a:ext uri="{FF2B5EF4-FFF2-40B4-BE49-F238E27FC236}">
-                <a16:creationId xmlns:a16="http://schemas.microsoft.com/office/drawing/2014/main" id="{958460C1-7AD1-FAB9-BCB9-316093A50CB4}"/>
+          <p:cNvPr id="4" name="TextBox 3">
+            <a:extLst>
+              <a:ext uri="{FF2B5EF4-FFF2-40B4-BE49-F238E27FC236}">
+                <a16:creationId xmlns:a16="http://schemas.microsoft.com/office/drawing/2014/main" id="{A7F77793-AAAF-C05D-443C-F5F61CBE5393}"/>
               </a:ext>
             </a:extLst>
           </p:cNvPr>
@@ -6724,8 +6772,8 @@
         </p:nvSpPr>
         <p:spPr>
           <a:xfrm>
-            <a:off x="5296741" y="6488668"/>
-            <a:ext cx="1598515" cy="369332"/>
+            <a:off x="5299507" y="4075863"/>
+            <a:ext cx="6116290" cy="369332"/>
           </a:xfrm>
           <a:prstGeom prst="rect">
             <a:avLst/>
@@ -6739,8 +6787,10 @@
           <a:lstStyle/>
           <a:p>
             <a:r>
-              <a:rPr lang="he-IL" dirty="0"/>
-              <a:t>שמירת משתנים</a:t>
+              <a:rPr lang="en-US" dirty="0">
+                <a:hlinkClick r:id="rId3"/>
+              </a:rPr>
+              <a:t>https://daniel-ingber.github.io/APIS/toDoCallback/data.json</a:t>
             </a:r>
             <a:endParaRPr lang="en-IL" dirty="0"/>
           </a:p>
